--- a/Presentazione idw.pptx
+++ b/Presentazione idw.pptx
@@ -335,7 +335,7 @@
             <a:fld id="{5586B75A-687E-405C-8A0B-8D00578BA2C3}" type="datetimeFigureOut">
               <a:rPr lang="en-US" dirty="0"/>
               <a:pPr/>
-              <a:t>6/16/16</a:t>
+              <a:t>6/19/2016</a:t>
             </a:fld>
             <a:endParaRPr lang="en-US" dirty="0"/>
           </a:p>
@@ -378,7 +378,7 @@
             <a:fld id="{4FAB73BC-B049-4115-A692-8D63A059BFB8}" type="slidenum">
               <a:rPr lang="en-US" dirty="0"/>
               <a:pPr/>
-              <a:t>‹n.›</a:t>
+              <a:t>‹N›</a:t>
             </a:fld>
             <a:endParaRPr lang="en-US" dirty="0"/>
           </a:p>
@@ -502,7 +502,7 @@
             <a:fld id="{5586B75A-687E-405C-8A0B-8D00578BA2C3}" type="datetimeFigureOut">
               <a:rPr lang="en-US" dirty="0"/>
               <a:pPr/>
-              <a:t>6/16/16</a:t>
+              <a:t>6/19/2016</a:t>
             </a:fld>
             <a:endParaRPr lang="en-US" dirty="0"/>
           </a:p>
@@ -545,7 +545,7 @@
             <a:fld id="{4FAB73BC-B049-4115-A692-8D63A059BFB8}" type="slidenum">
               <a:rPr lang="en-US" dirty="0"/>
               <a:pPr/>
-              <a:t>‹n.›</a:t>
+              <a:t>‹N›</a:t>
             </a:fld>
             <a:endParaRPr lang="en-US" dirty="0"/>
           </a:p>
@@ -679,7 +679,7 @@
             <a:fld id="{5586B75A-687E-405C-8A0B-8D00578BA2C3}" type="datetimeFigureOut">
               <a:rPr lang="en-US" dirty="0"/>
               <a:pPr/>
-              <a:t>6/16/16</a:t>
+              <a:t>6/19/2016</a:t>
             </a:fld>
             <a:endParaRPr lang="en-US" dirty="0"/>
           </a:p>
@@ -722,7 +722,7 @@
             <a:fld id="{4FAB73BC-B049-4115-A692-8D63A059BFB8}" type="slidenum">
               <a:rPr lang="en-US" dirty="0"/>
               <a:pPr/>
-              <a:t>‹n.›</a:t>
+              <a:t>‹N›</a:t>
             </a:fld>
             <a:endParaRPr lang="en-US" dirty="0"/>
           </a:p>
@@ -846,7 +846,7 @@
             <a:fld id="{5586B75A-687E-405C-8A0B-8D00578BA2C3}" type="datetimeFigureOut">
               <a:rPr lang="en-US" dirty="0"/>
               <a:pPr/>
-              <a:t>6/16/16</a:t>
+              <a:t>6/19/2016</a:t>
             </a:fld>
             <a:endParaRPr lang="en-US" dirty="0"/>
           </a:p>
@@ -889,7 +889,7 @@
             <a:fld id="{4FAB73BC-B049-4115-A692-8D63A059BFB8}" type="slidenum">
               <a:rPr lang="en-US" dirty="0"/>
               <a:pPr/>
-              <a:t>‹n.›</a:t>
+              <a:t>‹N›</a:t>
             </a:fld>
             <a:endParaRPr lang="en-US" dirty="0"/>
           </a:p>
@@ -1101,7 +1101,7 @@
             <a:fld id="{5586B75A-687E-405C-8A0B-8D00578BA2C3}" type="datetimeFigureOut">
               <a:rPr lang="en-US" dirty="0"/>
               <a:pPr/>
-              <a:t>6/16/16</a:t>
+              <a:t>6/19/2016</a:t>
             </a:fld>
             <a:endParaRPr lang="en-US" dirty="0"/>
           </a:p>
@@ -1144,7 +1144,7 @@
             <a:fld id="{4FAB73BC-B049-4115-A692-8D63A059BFB8}" type="slidenum">
               <a:rPr lang="en-US" dirty="0"/>
               <a:pPr/>
-              <a:t>‹n.›</a:t>
+              <a:t>‹N›</a:t>
             </a:fld>
             <a:endParaRPr lang="en-US" dirty="0"/>
           </a:p>
@@ -1386,7 +1386,7 @@
             <a:fld id="{5586B75A-687E-405C-8A0B-8D00578BA2C3}" type="datetimeFigureOut">
               <a:rPr lang="en-US" dirty="0"/>
               <a:pPr/>
-              <a:t>6/16/16</a:t>
+              <a:t>6/19/2016</a:t>
             </a:fld>
             <a:endParaRPr lang="en-US" dirty="0"/>
           </a:p>
@@ -1429,7 +1429,7 @@
             <a:fld id="{4FAB73BC-B049-4115-A692-8D63A059BFB8}" type="slidenum">
               <a:rPr lang="en-US" dirty="0"/>
               <a:pPr/>
-              <a:t>‹n.›</a:t>
+              <a:t>‹N›</a:t>
             </a:fld>
             <a:endParaRPr lang="en-US" dirty="0"/>
           </a:p>
@@ -1825,7 +1825,7 @@
             <a:fld id="{5586B75A-687E-405C-8A0B-8D00578BA2C3}" type="datetimeFigureOut">
               <a:rPr lang="en-US" dirty="0"/>
               <a:pPr/>
-              <a:t>6/16/16</a:t>
+              <a:t>6/19/2016</a:t>
             </a:fld>
             <a:endParaRPr lang="en-US" dirty="0"/>
           </a:p>
@@ -1868,7 +1868,7 @@
             <a:fld id="{4FAB73BC-B049-4115-A692-8D63A059BFB8}" type="slidenum">
               <a:rPr lang="en-US" dirty="0"/>
               <a:pPr/>
-              <a:t>‹n.›</a:t>
+              <a:t>‹N›</a:t>
             </a:fld>
             <a:endParaRPr lang="en-US" dirty="0"/>
           </a:p>
@@ -1940,7 +1940,7 @@
             <a:fld id="{5586B75A-687E-405C-8A0B-8D00578BA2C3}" type="datetimeFigureOut">
               <a:rPr lang="en-US" dirty="0"/>
               <a:pPr/>
-              <a:t>6/16/16</a:t>
+              <a:t>6/19/2016</a:t>
             </a:fld>
             <a:endParaRPr lang="en-US" dirty="0"/>
           </a:p>
@@ -1983,7 +1983,7 @@
             <a:fld id="{4FAB73BC-B049-4115-A692-8D63A059BFB8}" type="slidenum">
               <a:rPr lang="en-US" dirty="0"/>
               <a:pPr/>
-              <a:t>‹n.›</a:t>
+              <a:t>‹N›</a:t>
             </a:fld>
             <a:endParaRPr lang="en-US" dirty="0"/>
           </a:p>
@@ -2032,7 +2032,7 @@
             <a:fld id="{5586B75A-687E-405C-8A0B-8D00578BA2C3}" type="datetimeFigureOut">
               <a:rPr lang="en-US" dirty="0"/>
               <a:pPr/>
-              <a:t>6/16/16</a:t>
+              <a:t>6/19/2016</a:t>
             </a:fld>
             <a:endParaRPr lang="en-US" dirty="0"/>
           </a:p>
@@ -2075,7 +2075,7 @@
             <a:fld id="{4FAB73BC-B049-4115-A692-8D63A059BFB8}" type="slidenum">
               <a:rPr lang="en-US" dirty="0"/>
               <a:pPr/>
-              <a:t>‹n.›</a:t>
+              <a:t>‹N›</a:t>
             </a:fld>
             <a:endParaRPr lang="en-US" dirty="0"/>
           </a:p>
@@ -2317,7 +2317,7 @@
             <a:fld id="{5586B75A-687E-405C-8A0B-8D00578BA2C3}" type="datetimeFigureOut">
               <a:rPr lang="en-US" dirty="0"/>
               <a:pPr/>
-              <a:t>6/16/16</a:t>
+              <a:t>6/19/2016</a:t>
             </a:fld>
             <a:endParaRPr lang="en-US" dirty="0"/>
           </a:p>
@@ -2360,7 +2360,7 @@
             <a:fld id="{4FAB73BC-B049-4115-A692-8D63A059BFB8}" type="slidenum">
               <a:rPr lang="en-US" dirty="0"/>
               <a:pPr/>
-              <a:t>‹n.›</a:t>
+              <a:t>‹N›</a:t>
             </a:fld>
             <a:endParaRPr lang="en-US" dirty="0"/>
           </a:p>
@@ -2587,7 +2587,7 @@
             <a:fld id="{5586B75A-687E-405C-8A0B-8D00578BA2C3}" type="datetimeFigureOut">
               <a:rPr lang="en-US" dirty="0"/>
               <a:pPr/>
-              <a:t>6/16/16</a:t>
+              <a:t>6/19/2016</a:t>
             </a:fld>
             <a:endParaRPr lang="en-US" dirty="0"/>
           </a:p>
@@ -2635,7 +2635,7 @@
             <a:fld id="{4FAB73BC-B049-4115-A692-8D63A059BFB8}" type="slidenum">
               <a:rPr lang="en-US" dirty="0"/>
               <a:pPr/>
-              <a:t>‹n.›</a:t>
+              <a:t>‹N›</a:t>
             </a:fld>
             <a:endParaRPr lang="en-US" dirty="0"/>
           </a:p>
@@ -2881,7 +2881,7 @@
             <a:fld id="{5586B75A-687E-405C-8A0B-8D00578BA2C3}" type="datetimeFigureOut">
               <a:rPr lang="en-US" dirty="0"/>
               <a:pPr/>
-              <a:t>6/16/16</a:t>
+              <a:t>6/19/2016</a:t>
             </a:fld>
             <a:endParaRPr lang="en-US" dirty="0"/>
           </a:p>
@@ -2959,7 +2959,7 @@
             <a:fld id="{4FAB73BC-B049-4115-A692-8D63A059BFB8}" type="slidenum">
               <a:rPr lang="en-US" dirty="0"/>
               <a:pPr/>
-              <a:t>‹n.›</a:t>
+              <a:t>‹N›</a:t>
             </a:fld>
             <a:endParaRPr lang="en-US" dirty="0"/>
           </a:p>
@@ -3377,12 +3377,8 @@
           <a:p>
             <a:pPr algn="ctr"/>
             <a:r>
-              <a:rPr lang="it-IT" sz="8000" dirty="0" err="1" smtClean="0"/>
-              <a:t>Genealogy</a:t>
-            </a:r>
-            <a:r>
               <a:rPr lang="it-IT" sz="8000" dirty="0" smtClean="0"/>
-              <a:t> </a:t>
+              <a:t>Family </a:t>
             </a:r>
             <a:r>
               <a:rPr lang="it-IT" sz="8000" dirty="0" err="1" smtClean="0"/>
@@ -3747,7 +3743,7 @@
     </a:clrScheme>
     <a:fontScheme name="Frame">
       <a:majorFont>
-        <a:latin typeface="Corbel" panose="020B0503020204020204"/>
+        <a:latin typeface="Corbel"/>
         <a:ea typeface=""/>
         <a:cs typeface=""/>
         <a:font script="Jpan" typeface="ＭＳ ゴシック"/>
@@ -3782,7 +3778,7 @@
         <a:font script="Geor" typeface="Sylfaen"/>
       </a:majorFont>
       <a:minorFont>
-        <a:latin typeface="Corbel" panose="020B0503020204020204"/>
+        <a:latin typeface="Corbel"/>
         <a:ea typeface=""/>
         <a:cs typeface=""/>
         <a:font script="Jpan" typeface="ＭＳ ゴシック"/>
@@ -3929,7 +3925,7 @@
   <a:extraClrSchemeLst/>
   <a:extLst>
     <a:ext uri="{05A4C25C-085E-4340-85A3-A5531E510DB2}">
-      <thm15:themeFamily xmlns:thm15="http://schemas.microsoft.com/office/thememl/2012/main" name="Frame" id="{F226E7A2-7162-461C-9490-D27D9DC04E43}" vid="{629A0216-3BBD-45C0-B63F-2683BEA18F60}"/>
+      <thm15:themeFamily xmlns:thm15="http://schemas.microsoft.com/office/thememl/2012/main" xmlns="" name="Frame" id="{F226E7A2-7162-461C-9490-D27D9DC04E43}" vid="{629A0216-3BBD-45C0-B63F-2683BEA18F60}"/>
     </a:ext>
   </a:extLst>
 </a:theme>

--- a/Presentazione idw.pptx
+++ b/Presentazione idw.pptx
@@ -2,13 +2,18 @@
 <file path=ppt/presentation.xml><?xml version="1.0" encoding="utf-8"?>
 <p:presentation xmlns:a="http://schemas.openxmlformats.org/drawingml/2006/main" xmlns:r="http://schemas.openxmlformats.org/officeDocument/2006/relationships" xmlns:p="http://schemas.openxmlformats.org/presentationml/2006/main" saveSubsetFonts="1" autoCompressPictures="0">
   <p:sldMasterIdLst>
-    <p:sldMasterId id="2147483840" r:id="rId1"/>
+    <p:sldMasterId id="2147483852" r:id="rId1"/>
   </p:sldMasterIdLst>
   <p:sldIdLst>
     <p:sldId id="256" r:id="rId2"/>
     <p:sldId id="258" r:id="rId3"/>
     <p:sldId id="257" r:id="rId4"/>
     <p:sldId id="259" r:id="rId5"/>
+    <p:sldId id="260" r:id="rId6"/>
+    <p:sldId id="261" r:id="rId7"/>
+    <p:sldId id="263" r:id="rId8"/>
+    <p:sldId id="264" r:id="rId9"/>
+    <p:sldId id="265" r:id="rId10"/>
   </p:sldIdLst>
   <p:sldSz cx="12192000" cy="6858000"/>
   <p:notesSz cx="6858000" cy="9144000"/>
@@ -107,6 +112,22 @@
       </a:defRPr>
     </a:lvl9pPr>
   </p:defaultTextStyle>
+  <p:extLst>
+    <p:ext uri="{EFAFB233-063F-42B5-8137-9DF3F51BA10A}">
+      <p15:sldGuideLst xmlns:p15="http://schemas.microsoft.com/office/powerpoint/2012/main">
+        <p15:guide id="1" orient="horz" pos="2160">
+          <p15:clr>
+            <a:srgbClr val="A4A3A4"/>
+          </p15:clr>
+        </p15:guide>
+        <p15:guide id="2" pos="3840">
+          <p15:clr>
+            <a:srgbClr val="A4A3A4"/>
+          </p15:clr>
+        </p15:guide>
+      </p15:sldGuideLst>
+    </p:ext>
+  </p:extLst>
 </p:presentation>
 </file>
 
@@ -237,7 +258,7 @@
           <a:p>
             <a:r>
               <a:rPr lang="it-IT" smtClean="0"/>
-              <a:t>Fare clic per modificare stile</a:t>
+              <a:t>Fare clic per modificare lo stile del titolo</a:t>
             </a:r>
             <a:endParaRPr lang="en-US" dirty="0"/>
           </a:p>
@@ -333,9 +354,9 @@
           <a:lstStyle/>
           <a:p>
             <a:fld id="{5586B75A-687E-405C-8A0B-8D00578BA2C3}" type="datetimeFigureOut">
-              <a:rPr lang="en-US" dirty="0"/>
+              <a:rPr lang="en-US" smtClean="0"/>
               <a:pPr/>
-              <a:t>6/19/2016</a:t>
+              <a:t>6/20/2016</a:t>
             </a:fld>
             <a:endParaRPr lang="en-US" dirty="0"/>
           </a:p>
@@ -376,7 +397,7 @@
           <a:lstStyle/>
           <a:p>
             <a:fld id="{4FAB73BC-B049-4115-A692-8D63A059BFB8}" type="slidenum">
-              <a:rPr lang="en-US" dirty="0"/>
+              <a:rPr lang="en-US" smtClean="0"/>
               <a:pPr/>
               <a:t>‹N›</a:t>
             </a:fld>
@@ -385,6 +406,11 @@
         </p:txBody>
       </p:sp>
     </p:spTree>
+    <p:extLst>
+      <p:ext uri="{BB962C8B-B14F-4D97-AF65-F5344CB8AC3E}">
+        <p14:creationId xmlns:p14="http://schemas.microsoft.com/office/powerpoint/2010/main" val="3146626282"/>
+      </p:ext>
+    </p:extLst>
   </p:cSld>
   <p:clrMapOvr>
     <a:masterClrMapping/>
@@ -426,7 +452,7 @@
           <a:p>
             <a:r>
               <a:rPr lang="it-IT" smtClean="0"/>
-              <a:t>Fare clic per modificare stile</a:t>
+              <a:t>Fare clic per modificare lo stile del titolo</a:t>
             </a:r>
             <a:endParaRPr lang="en-US" dirty="0"/>
           </a:p>
@@ -450,7 +476,7 @@
             <a:pPr lvl="0"/>
             <a:r>
               <a:rPr lang="it-IT" smtClean="0"/>
-              <a:t>Fare clic per modificare gli stili del testo dello schema</a:t>
+              <a:t>Modifica gli stili del testo dello schema</a:t>
             </a:r>
           </a:p>
           <a:p>
@@ -500,9 +526,9 @@
           <a:lstStyle/>
           <a:p>
             <a:fld id="{5586B75A-687E-405C-8A0B-8D00578BA2C3}" type="datetimeFigureOut">
-              <a:rPr lang="en-US" dirty="0"/>
+              <a:rPr lang="en-US" smtClean="0"/>
               <a:pPr/>
-              <a:t>6/19/2016</a:t>
+              <a:t>6/20/2016</a:t>
             </a:fld>
             <a:endParaRPr lang="en-US" dirty="0"/>
           </a:p>
@@ -543,7 +569,7 @@
           <a:lstStyle/>
           <a:p>
             <a:fld id="{4FAB73BC-B049-4115-A692-8D63A059BFB8}" type="slidenum">
-              <a:rPr lang="en-US" dirty="0"/>
+              <a:rPr lang="en-US" smtClean="0"/>
               <a:pPr/>
               <a:t>‹N›</a:t>
             </a:fld>
@@ -552,6 +578,11 @@
         </p:txBody>
       </p:sp>
     </p:spTree>
+    <p:extLst>
+      <p:ext uri="{BB962C8B-B14F-4D97-AF65-F5344CB8AC3E}">
+        <p14:creationId xmlns:p14="http://schemas.microsoft.com/office/powerpoint/2010/main" val="2464348174"/>
+      </p:ext>
+    </p:extLst>
   </p:cSld>
   <p:clrMapOvr>
     <a:masterClrMapping/>
@@ -561,7 +592,7 @@
 
 <file path=ppt/slideLayouts/slideLayout11.xml><?xml version="1.0" encoding="utf-8"?>
 <p:sldLayout xmlns:a="http://schemas.openxmlformats.org/drawingml/2006/main" xmlns:r="http://schemas.openxmlformats.org/officeDocument/2006/relationships" xmlns:p="http://schemas.openxmlformats.org/presentationml/2006/main" type="vertTitleAndTx" preserve="1">
-  <p:cSld name="Titolo verticale e testo">
+  <p:cSld name="1_Titolo e testo verticale">
     <p:spTree>
       <p:nvGrpSpPr>
         <p:cNvPr id="1" name=""/>
@@ -598,7 +629,7 @@
           <a:p>
             <a:r>
               <a:rPr lang="it-IT" smtClean="0"/>
-              <a:t>Fare clic per modificare stile</a:t>
+              <a:t>Fare clic per modificare lo stile del titolo</a:t>
             </a:r>
             <a:endParaRPr lang="en-US" dirty="0"/>
           </a:p>
@@ -627,7 +658,7 @@
             <a:pPr lvl="0"/>
             <a:r>
               <a:rPr lang="it-IT" smtClean="0"/>
-              <a:t>Fare clic per modificare gli stili del testo dello schema</a:t>
+              <a:t>Modifica gli stili del testo dello schema</a:t>
             </a:r>
           </a:p>
           <a:p>
@@ -677,9 +708,9 @@
           <a:lstStyle/>
           <a:p>
             <a:fld id="{5586B75A-687E-405C-8A0B-8D00578BA2C3}" type="datetimeFigureOut">
-              <a:rPr lang="en-US" dirty="0"/>
+              <a:rPr lang="en-US" smtClean="0"/>
               <a:pPr/>
-              <a:t>6/19/2016</a:t>
+              <a:t>6/20/2016</a:t>
             </a:fld>
             <a:endParaRPr lang="en-US" dirty="0"/>
           </a:p>
@@ -720,7 +751,7 @@
           <a:lstStyle/>
           <a:p>
             <a:fld id="{4FAB73BC-B049-4115-A692-8D63A059BFB8}" type="slidenum">
-              <a:rPr lang="en-US" dirty="0"/>
+              <a:rPr lang="en-US" smtClean="0"/>
               <a:pPr/>
               <a:t>‹N›</a:t>
             </a:fld>
@@ -729,10 +760,16 @@
         </p:txBody>
       </p:sp>
     </p:spTree>
+    <p:extLst>
+      <p:ext uri="{BB962C8B-B14F-4D97-AF65-F5344CB8AC3E}">
+        <p14:creationId xmlns:p14="http://schemas.microsoft.com/office/powerpoint/2010/main" val="4074271150"/>
+      </p:ext>
+    </p:extLst>
   </p:cSld>
   <p:clrMapOvr>
     <a:masterClrMapping/>
   </p:clrMapOvr>
+  <p:hf sldNum="0" hdr="0" ftr="0" dt="0"/>
 </p:sldLayout>
 </file>
 
@@ -770,7 +807,7 @@
           <a:p>
             <a:r>
               <a:rPr lang="it-IT" smtClean="0"/>
-              <a:t>Fare clic per modificare stile</a:t>
+              <a:t>Fare clic per modificare lo stile del titolo</a:t>
             </a:r>
             <a:endParaRPr lang="en-US" dirty="0"/>
           </a:p>
@@ -794,7 +831,7 @@
             <a:pPr lvl="0"/>
             <a:r>
               <a:rPr lang="it-IT" smtClean="0"/>
-              <a:t>Fare clic per modificare gli stili del testo dello schema</a:t>
+              <a:t>Modifica gli stili del testo dello schema</a:t>
             </a:r>
           </a:p>
           <a:p>
@@ -844,9 +881,9 @@
           <a:lstStyle/>
           <a:p>
             <a:fld id="{5586B75A-687E-405C-8A0B-8D00578BA2C3}" type="datetimeFigureOut">
-              <a:rPr lang="en-US" dirty="0"/>
+              <a:rPr lang="en-US" smtClean="0"/>
               <a:pPr/>
-              <a:t>6/19/2016</a:t>
+              <a:t>6/20/2016</a:t>
             </a:fld>
             <a:endParaRPr lang="en-US" dirty="0"/>
           </a:p>
@@ -887,7 +924,7 @@
           <a:lstStyle/>
           <a:p>
             <a:fld id="{4FAB73BC-B049-4115-A692-8D63A059BFB8}" type="slidenum">
-              <a:rPr lang="en-US" dirty="0"/>
+              <a:rPr lang="en-US" smtClean="0"/>
               <a:pPr/>
               <a:t>‹N›</a:t>
             </a:fld>
@@ -896,6 +933,11 @@
         </p:txBody>
       </p:sp>
     </p:spTree>
+    <p:extLst>
+      <p:ext uri="{BB962C8B-B14F-4D97-AF65-F5344CB8AC3E}">
+        <p14:creationId xmlns:p14="http://schemas.microsoft.com/office/powerpoint/2010/main" val="1784888124"/>
+      </p:ext>
+    </p:extLst>
   </p:cSld>
   <p:clrMapOvr>
     <a:masterClrMapping/>
@@ -955,7 +997,7 @@
           <a:p>
             <a:r>
               <a:rPr lang="it-IT" smtClean="0"/>
-              <a:t>Fare clic per modificare stile</a:t>
+              <a:t>Fare clic per modificare lo stile del titolo</a:t>
             </a:r>
             <a:endParaRPr lang="en-US" dirty="0"/>
           </a:p>
@@ -1078,7 +1120,7 @@
             <a:pPr lvl="0"/>
             <a:r>
               <a:rPr lang="it-IT" smtClean="0"/>
-              <a:t>Fare clic per modificare gli stili del testo dello schema</a:t>
+              <a:t>Modifica gli stili del testo dello schema</a:t>
             </a:r>
           </a:p>
         </p:txBody>
@@ -1099,9 +1141,9 @@
           <a:lstStyle/>
           <a:p>
             <a:fld id="{5586B75A-687E-405C-8A0B-8D00578BA2C3}" type="datetimeFigureOut">
-              <a:rPr lang="en-US" dirty="0"/>
+              <a:rPr lang="en-US" smtClean="0"/>
               <a:pPr/>
-              <a:t>6/19/2016</a:t>
+              <a:t>6/20/2016</a:t>
             </a:fld>
             <a:endParaRPr lang="en-US" dirty="0"/>
           </a:p>
@@ -1142,7 +1184,7 @@
           <a:lstStyle/>
           <a:p>
             <a:fld id="{4FAB73BC-B049-4115-A692-8D63A059BFB8}" type="slidenum">
-              <a:rPr lang="en-US" dirty="0"/>
+              <a:rPr lang="en-US" smtClean="0"/>
               <a:pPr/>
               <a:t>‹N›</a:t>
             </a:fld>
@@ -1151,6 +1193,11 @@
         </p:txBody>
       </p:sp>
     </p:spTree>
+    <p:extLst>
+      <p:ext uri="{BB962C8B-B14F-4D97-AF65-F5344CB8AC3E}">
+        <p14:creationId xmlns:p14="http://schemas.microsoft.com/office/powerpoint/2010/main" val="690195189"/>
+      </p:ext>
+    </p:extLst>
   </p:cSld>
   <p:clrMapOvr>
     <a:masterClrMapping/>
@@ -1160,7 +1207,7 @@
 
 <file path=ppt/slideLayouts/slideLayout4.xml><?xml version="1.0" encoding="utf-8"?>
 <p:sldLayout xmlns:a="http://schemas.openxmlformats.org/drawingml/2006/main" xmlns:r="http://schemas.openxmlformats.org/officeDocument/2006/relationships" xmlns:p="http://schemas.openxmlformats.org/presentationml/2006/main" type="twoObj" preserve="1">
-  <p:cSld name="Contenuto 2">
+  <p:cSld name="Due contenuti">
     <p:spTree>
       <p:nvGrpSpPr>
         <p:cNvPr id="1" name=""/>
@@ -1192,7 +1239,7 @@
           <a:p>
             <a:r>
               <a:rPr lang="it-IT" smtClean="0"/>
-              <a:t>Fare clic per modificare stile</a:t>
+              <a:t>Fare clic per modificare lo stile del titolo</a:t>
             </a:r>
             <a:endParaRPr lang="en-US" dirty="0"/>
           </a:p>
@@ -1249,7 +1296,7 @@
             <a:pPr lvl="0"/>
             <a:r>
               <a:rPr lang="it-IT" smtClean="0"/>
-              <a:t>Fare clic per modificare gli stili del testo dello schema</a:t>
+              <a:t>Modifica gli stili del testo dello schema</a:t>
             </a:r>
           </a:p>
           <a:p>
@@ -1334,7 +1381,7 @@
             <a:pPr lvl="0"/>
             <a:r>
               <a:rPr lang="it-IT" smtClean="0"/>
-              <a:t>Fare clic per modificare gli stili del testo dello schema</a:t>
+              <a:t>Modifica gli stili del testo dello schema</a:t>
             </a:r>
           </a:p>
           <a:p>
@@ -1384,9 +1431,9 @@
           <a:lstStyle/>
           <a:p>
             <a:fld id="{5586B75A-687E-405C-8A0B-8D00578BA2C3}" type="datetimeFigureOut">
-              <a:rPr lang="en-US" dirty="0"/>
+              <a:rPr lang="en-US" smtClean="0"/>
               <a:pPr/>
-              <a:t>6/19/2016</a:t>
+              <a:t>6/20/2016</a:t>
             </a:fld>
             <a:endParaRPr lang="en-US" dirty="0"/>
           </a:p>
@@ -1427,7 +1474,7 @@
           <a:lstStyle/>
           <a:p>
             <a:fld id="{4FAB73BC-B049-4115-A692-8D63A059BFB8}" type="slidenum">
-              <a:rPr lang="en-US" dirty="0"/>
+              <a:rPr lang="en-US" smtClean="0"/>
               <a:pPr/>
               <a:t>‹N›</a:t>
             </a:fld>
@@ -1436,10 +1483,16 @@
         </p:txBody>
       </p:sp>
     </p:spTree>
+    <p:extLst>
+      <p:ext uri="{BB962C8B-B14F-4D97-AF65-F5344CB8AC3E}">
+        <p14:creationId xmlns:p14="http://schemas.microsoft.com/office/powerpoint/2010/main" val="2848291068"/>
+      </p:ext>
+    </p:extLst>
   </p:cSld>
   <p:clrMapOvr>
     <a:masterClrMapping/>
   </p:clrMapOvr>
+  <p:hf sldNum="0" hdr="0" ftr="0" dt="0"/>
 </p:sldLayout>
 </file>
 
@@ -1477,7 +1530,7 @@
           <a:p>
             <a:r>
               <a:rPr lang="it-IT" smtClean="0"/>
-              <a:t>Fare clic per modificare stile</a:t>
+              <a:t>Fare clic per modificare lo stile del titolo</a:t>
             </a:r>
             <a:endParaRPr lang="en-US" dirty="0"/>
           </a:p>
@@ -1555,7 +1608,7 @@
             <a:pPr lvl="0"/>
             <a:r>
               <a:rPr lang="it-IT" smtClean="0"/>
-              <a:t>Fare clic per modificare gli stili del testo dello schema</a:t>
+              <a:t>Modifica gli stili del testo dello schema</a:t>
             </a:r>
           </a:p>
         </p:txBody>
@@ -1611,7 +1664,7 @@
             <a:pPr lvl="0"/>
             <a:r>
               <a:rPr lang="it-IT" smtClean="0"/>
-              <a:t>Fare clic per modificare gli stili del testo dello schema</a:t>
+              <a:t>Modifica gli stili del testo dello schema</a:t>
             </a:r>
           </a:p>
           <a:p>
@@ -1717,7 +1770,7 @@
             <a:pPr lvl="0"/>
             <a:r>
               <a:rPr lang="it-IT" smtClean="0"/>
-              <a:t>Fare clic per modificare gli stili del testo dello schema</a:t>
+              <a:t>Modifica gli stili del testo dello schema</a:t>
             </a:r>
           </a:p>
         </p:txBody>
@@ -1773,7 +1826,7 @@
             <a:pPr lvl="0"/>
             <a:r>
               <a:rPr lang="it-IT" smtClean="0"/>
-              <a:t>Fare clic per modificare gli stili del testo dello schema</a:t>
+              <a:t>Modifica gli stili del testo dello schema</a:t>
             </a:r>
           </a:p>
           <a:p>
@@ -1823,9 +1876,9 @@
           <a:lstStyle/>
           <a:p>
             <a:fld id="{5586B75A-687E-405C-8A0B-8D00578BA2C3}" type="datetimeFigureOut">
-              <a:rPr lang="en-US" dirty="0"/>
+              <a:rPr lang="en-US" smtClean="0"/>
               <a:pPr/>
-              <a:t>6/19/2016</a:t>
+              <a:t>6/20/2016</a:t>
             </a:fld>
             <a:endParaRPr lang="en-US" dirty="0"/>
           </a:p>
@@ -1866,7 +1919,7 @@
           <a:lstStyle/>
           <a:p>
             <a:fld id="{4FAB73BC-B049-4115-A692-8D63A059BFB8}" type="slidenum">
-              <a:rPr lang="en-US" dirty="0"/>
+              <a:rPr lang="en-US" smtClean="0"/>
               <a:pPr/>
               <a:t>‹N›</a:t>
             </a:fld>
@@ -1875,6 +1928,11 @@
         </p:txBody>
       </p:sp>
     </p:spTree>
+    <p:extLst>
+      <p:ext uri="{BB962C8B-B14F-4D97-AF65-F5344CB8AC3E}">
+        <p14:creationId xmlns:p14="http://schemas.microsoft.com/office/powerpoint/2010/main" val="2862309367"/>
+      </p:ext>
+    </p:extLst>
   </p:cSld>
   <p:clrMapOvr>
     <a:masterClrMapping/>
@@ -1916,7 +1974,7 @@
           <a:p>
             <a:r>
               <a:rPr lang="it-IT" smtClean="0"/>
-              <a:t>Fare clic per modificare stile</a:t>
+              <a:t>Fare clic per modificare lo stile del titolo</a:t>
             </a:r>
             <a:endParaRPr lang="en-US" dirty="0"/>
           </a:p>
@@ -1938,9 +1996,9 @@
           <a:lstStyle/>
           <a:p>
             <a:fld id="{5586B75A-687E-405C-8A0B-8D00578BA2C3}" type="datetimeFigureOut">
-              <a:rPr lang="en-US" dirty="0"/>
+              <a:rPr lang="en-US" smtClean="0"/>
               <a:pPr/>
-              <a:t>6/19/2016</a:t>
+              <a:t>6/20/2016</a:t>
             </a:fld>
             <a:endParaRPr lang="en-US" dirty="0"/>
           </a:p>
@@ -1981,7 +2039,7 @@
           <a:lstStyle/>
           <a:p>
             <a:fld id="{4FAB73BC-B049-4115-A692-8D63A059BFB8}" type="slidenum">
-              <a:rPr lang="en-US" dirty="0"/>
+              <a:rPr lang="en-US" smtClean="0"/>
               <a:pPr/>
               <a:t>‹N›</a:t>
             </a:fld>
@@ -1990,6 +2048,11 @@
         </p:txBody>
       </p:sp>
     </p:spTree>
+    <p:extLst>
+      <p:ext uri="{BB962C8B-B14F-4D97-AF65-F5344CB8AC3E}">
+        <p14:creationId xmlns:p14="http://schemas.microsoft.com/office/powerpoint/2010/main" val="2137085833"/>
+      </p:ext>
+    </p:extLst>
   </p:cSld>
   <p:clrMapOvr>
     <a:masterClrMapping/>
@@ -1999,7 +2062,7 @@
 
 <file path=ppt/slideLayouts/slideLayout7.xml><?xml version="1.0" encoding="utf-8"?>
 <p:sldLayout xmlns:a="http://schemas.openxmlformats.org/drawingml/2006/main" xmlns:r="http://schemas.openxmlformats.org/officeDocument/2006/relationships" xmlns:p="http://schemas.openxmlformats.org/presentationml/2006/main" showMasterSp="0" type="blank" preserve="1">
-  <p:cSld name="Vuoto">
+  <p:cSld name="Vuota">
     <p:spTree>
       <p:nvGrpSpPr>
         <p:cNvPr id="1" name=""/>
@@ -2030,9 +2093,9 @@
           <a:lstStyle/>
           <a:p>
             <a:fld id="{5586B75A-687E-405C-8A0B-8D00578BA2C3}" type="datetimeFigureOut">
-              <a:rPr lang="en-US" dirty="0"/>
+              <a:rPr lang="en-US" smtClean="0"/>
               <a:pPr/>
-              <a:t>6/19/2016</a:t>
+              <a:t>6/20/2016</a:t>
             </a:fld>
             <a:endParaRPr lang="en-US" dirty="0"/>
           </a:p>
@@ -2073,7 +2136,7 @@
           <a:lstStyle/>
           <a:p>
             <a:fld id="{4FAB73BC-B049-4115-A692-8D63A059BFB8}" type="slidenum">
-              <a:rPr lang="en-US" dirty="0"/>
+              <a:rPr lang="en-US" smtClean="0"/>
               <a:pPr/>
               <a:t>‹N›</a:t>
             </a:fld>
@@ -2082,10 +2145,16 @@
         </p:txBody>
       </p:sp>
     </p:spTree>
+    <p:extLst>
+      <p:ext uri="{BB962C8B-B14F-4D97-AF65-F5344CB8AC3E}">
+        <p14:creationId xmlns:p14="http://schemas.microsoft.com/office/powerpoint/2010/main" val="2741995340"/>
+      </p:ext>
+    </p:extLst>
   </p:cSld>
   <p:clrMapOvr>
     <a:masterClrMapping/>
   </p:clrMapOvr>
+  <p:hf sldNum="0" hdr="0" ftr="0" dt="0"/>
 </p:sldLayout>
 </file>
 
@@ -2134,7 +2203,7 @@
           <a:p>
             <a:r>
               <a:rPr lang="it-IT" smtClean="0"/>
-              <a:t>Fare clic per modificare stile</a:t>
+              <a:t>Fare clic per modificare lo stile del titolo</a:t>
             </a:r>
             <a:endParaRPr lang="en-US" dirty="0"/>
           </a:p>
@@ -2191,7 +2260,7 @@
             <a:pPr lvl="0"/>
             <a:r>
               <a:rPr lang="it-IT" smtClean="0"/>
-              <a:t>Fare clic per modificare gli stili del testo dello schema</a:t>
+              <a:t>Modifica gli stili del testo dello schema</a:t>
             </a:r>
           </a:p>
           <a:p>
@@ -2294,7 +2363,7 @@
             <a:pPr lvl="0"/>
             <a:r>
               <a:rPr lang="it-IT" smtClean="0"/>
-              <a:t>Fare clic per modificare gli stili del testo dello schema</a:t>
+              <a:t>Modifica gli stili del testo dello schema</a:t>
             </a:r>
           </a:p>
         </p:txBody>
@@ -2315,9 +2384,9 @@
           <a:lstStyle/>
           <a:p>
             <a:fld id="{5586B75A-687E-405C-8A0B-8D00578BA2C3}" type="datetimeFigureOut">
-              <a:rPr lang="en-US" dirty="0"/>
+              <a:rPr lang="en-US" smtClean="0"/>
               <a:pPr/>
-              <a:t>6/19/2016</a:t>
+              <a:t>6/20/2016</a:t>
             </a:fld>
             <a:endParaRPr lang="en-US" dirty="0"/>
           </a:p>
@@ -2358,7 +2427,7 @@
           <a:lstStyle/>
           <a:p>
             <a:fld id="{4FAB73BC-B049-4115-A692-8D63A059BFB8}" type="slidenum">
-              <a:rPr lang="en-US" dirty="0"/>
+              <a:rPr lang="en-US" smtClean="0"/>
               <a:pPr/>
               <a:t>‹N›</a:t>
             </a:fld>
@@ -2367,6 +2436,11 @@
         </p:txBody>
       </p:sp>
     </p:spTree>
+    <p:extLst>
+      <p:ext uri="{BB962C8B-B14F-4D97-AF65-F5344CB8AC3E}">
+        <p14:creationId xmlns:p14="http://schemas.microsoft.com/office/powerpoint/2010/main" val="1245462445"/>
+      </p:ext>
+    </p:extLst>
   </p:cSld>
   <p:clrMapOvr>
     <a:masterClrMapping/>
@@ -2419,7 +2493,7 @@
           <a:p>
             <a:r>
               <a:rPr lang="it-IT" smtClean="0"/>
-              <a:t>Fare clic per modificare stile</a:t>
+              <a:t>Fare clic per modificare lo stile del titolo</a:t>
             </a:r>
             <a:endParaRPr lang="en-US" dirty="0"/>
           </a:p>
@@ -2489,7 +2563,7 @@
           <a:p>
             <a:r>
               <a:rPr lang="it-IT" smtClean="0"/>
-              <a:t>Trascinare l'immagine su un segnaposto o fare clic sull'icona per aggiungerla</a:t>
+              <a:t>Fare clic sull'icona per inserire un'immagine</a:t>
             </a:r>
             <a:endParaRPr lang="en-US" dirty="0"/>
           </a:p>
@@ -2564,7 +2638,7 @@
             <a:pPr lvl="0"/>
             <a:r>
               <a:rPr lang="it-IT" smtClean="0"/>
-              <a:t>Fare clic per modificare gli stili del testo dello schema</a:t>
+              <a:t>Modifica gli stili del testo dello schema</a:t>
             </a:r>
           </a:p>
         </p:txBody>
@@ -2585,9 +2659,9 @@
           <a:lstStyle/>
           <a:p>
             <a:fld id="{5586B75A-687E-405C-8A0B-8D00578BA2C3}" type="datetimeFigureOut">
-              <a:rPr lang="en-US" dirty="0"/>
+              <a:rPr lang="en-US" smtClean="0"/>
               <a:pPr/>
-              <a:t>6/19/2016</a:t>
+              <a:t>6/20/2016</a:t>
             </a:fld>
             <a:endParaRPr lang="en-US" dirty="0"/>
           </a:p>
@@ -2633,7 +2707,7 @@
           <a:lstStyle/>
           <a:p>
             <a:fld id="{4FAB73BC-B049-4115-A692-8D63A059BFB8}" type="slidenum">
-              <a:rPr lang="en-US" dirty="0"/>
+              <a:rPr lang="en-US" smtClean="0"/>
               <a:pPr/>
               <a:t>‹N›</a:t>
             </a:fld>
@@ -2642,6 +2716,11 @@
         </p:txBody>
       </p:sp>
     </p:spTree>
+    <p:extLst>
+      <p:ext uri="{BB962C8B-B14F-4D97-AF65-F5344CB8AC3E}">
+        <p14:creationId xmlns:p14="http://schemas.microsoft.com/office/powerpoint/2010/main" val="1565694626"/>
+      </p:ext>
+    </p:extLst>
   </p:cSld>
   <p:clrMapOvr>
     <a:masterClrMapping/>
@@ -2736,7 +2815,7 @@
           <a:p>
             <a:r>
               <a:rPr lang="it-IT" smtClean="0"/>
-              <a:t>Fare clic per modificare stile</a:t>
+              <a:t>Fare clic per modificare lo stile del titolo</a:t>
             </a:r>
             <a:endParaRPr lang="en-US" dirty="0"/>
           </a:p>
@@ -2810,7 +2889,7 @@
             <a:pPr lvl="0"/>
             <a:r>
               <a:rPr lang="it-IT" smtClean="0"/>
-              <a:t>Fare clic per modificare gli stili del testo dello schema</a:t>
+              <a:t>Modifica gli stili del testo dello schema</a:t>
             </a:r>
           </a:p>
           <a:p>
@@ -2879,9 +2958,9 @@
           </a:lstStyle>
           <a:p>
             <a:fld id="{5586B75A-687E-405C-8A0B-8D00578BA2C3}" type="datetimeFigureOut">
-              <a:rPr lang="en-US" dirty="0"/>
+              <a:rPr lang="en-US" smtClean="0"/>
               <a:pPr/>
-              <a:t>6/19/2016</a:t>
+              <a:t>6/20/2016</a:t>
             </a:fld>
             <a:endParaRPr lang="en-US" dirty="0"/>
           </a:p>
@@ -2957,7 +3036,7 @@
           </a:lstStyle>
           <a:p>
             <a:fld id="{4FAB73BC-B049-4115-A692-8D63A059BFB8}" type="slidenum">
-              <a:rPr lang="en-US" dirty="0"/>
+              <a:rPr lang="en-US" smtClean="0"/>
               <a:pPr/>
               <a:t>‹N›</a:t>
             </a:fld>
@@ -2966,20 +3045,25 @@
         </p:txBody>
       </p:sp>
     </p:spTree>
+    <p:extLst>
+      <p:ext uri="{BB962C8B-B14F-4D97-AF65-F5344CB8AC3E}">
+        <p14:creationId xmlns:p14="http://schemas.microsoft.com/office/powerpoint/2010/main" val="3885865293"/>
+      </p:ext>
+    </p:extLst>
   </p:cSld>
   <p:clrMap bg1="lt1" tx1="dk1" bg2="lt2" tx2="dk2" accent1="accent1" accent2="accent2" accent3="accent3" accent4="accent4" accent5="accent5" accent6="accent6" hlink="hlink" folHlink="folHlink"/>
   <p:sldLayoutIdLst>
-    <p:sldLayoutId id="2147483841" r:id="rId1"/>
-    <p:sldLayoutId id="2147483842" r:id="rId2"/>
-    <p:sldLayoutId id="2147483843" r:id="rId3"/>
-    <p:sldLayoutId id="2147483844" r:id="rId4"/>
-    <p:sldLayoutId id="2147483845" r:id="rId5"/>
-    <p:sldLayoutId id="2147483846" r:id="rId6"/>
-    <p:sldLayoutId id="2147483847" r:id="rId7"/>
-    <p:sldLayoutId id="2147483848" r:id="rId8"/>
-    <p:sldLayoutId id="2147483849" r:id="rId9"/>
-    <p:sldLayoutId id="2147483850" r:id="rId10"/>
-    <p:sldLayoutId id="2147483851" r:id="rId11"/>
+    <p:sldLayoutId id="2147483853" r:id="rId1"/>
+    <p:sldLayoutId id="2147483854" r:id="rId2"/>
+    <p:sldLayoutId id="2147483855" r:id="rId3"/>
+    <p:sldLayoutId id="2147483856" r:id="rId4"/>
+    <p:sldLayoutId id="2147483857" r:id="rId5"/>
+    <p:sldLayoutId id="2147483858" r:id="rId6"/>
+    <p:sldLayoutId id="2147483859" r:id="rId7"/>
+    <p:sldLayoutId id="2147483860" r:id="rId8"/>
+    <p:sldLayoutId id="2147483861" r:id="rId9"/>
+    <p:sldLayoutId id="2147483862" r:id="rId10"/>
+    <p:sldLayoutId id="2147483863" r:id="rId11"/>
   </p:sldLayoutIdLst>
   <p:hf sldNum="0" hdr="0" ftr="0" dt="0"/>
   <p:txStyles>
@@ -3378,11 +3462,7 @@
             <a:pPr algn="ctr"/>
             <a:r>
               <a:rPr lang="it-IT" sz="8000" dirty="0" smtClean="0"/>
-              <a:t>Family </a:t>
-            </a:r>
-            <a:r>
-              <a:rPr lang="it-IT" sz="8000" dirty="0" err="1" smtClean="0"/>
-              <a:t>Tree</a:t>
+              <a:t>Family Tree</a:t>
             </a:r>
             <a:r>
               <a:rPr lang="it-IT" dirty="0" smtClean="0"/>
@@ -3409,6 +3489,13 @@
   <p:clrMapOvr>
     <a:masterClrMapping/>
   </p:clrMapOvr>
+  <p:timing>
+    <p:tnLst>
+      <p:par>
+        <p:cTn id="1" dur="indefinite" restart="never" nodeType="tmRoot"/>
+      </p:par>
+    </p:tnLst>
+  </p:timing>
 </p:sld>
 </file>
 
@@ -3493,6 +3580,13 @@
   <p:clrMapOvr>
     <a:masterClrMapping/>
   </p:clrMapOvr>
+  <p:timing>
+    <p:tnLst>
+      <p:par>
+        <p:cTn id="1" dur="indefinite" restart="never" nodeType="tmRoot"/>
+      </p:par>
+    </p:tnLst>
+  </p:timing>
 </p:sld>
 </file>
 
@@ -3560,8 +3654,8 @@
         </p:blipFill>
         <p:spPr>
           <a:xfrm>
-            <a:off x="5354638" y="1252537"/>
-            <a:ext cx="4343400" cy="4343400"/>
+            <a:off x="5354909" y="1252809"/>
+            <a:ext cx="4342857" cy="4342857"/>
           </a:xfrm>
         </p:spPr>
       </p:pic>
@@ -3575,6 +3669,13 @@
   <p:clrMapOvr>
     <a:masterClrMapping/>
   </p:clrMapOvr>
+  <p:timing>
+    <p:tnLst>
+      <p:par>
+        <p:cTn id="1" dur="indefinite" restart="never" nodeType="tmRoot"/>
+      </p:par>
+    </p:tnLst>
+  </p:timing>
 </p:sld>
 </file>
 
@@ -3697,13 +3798,719 @@
   <p:clrMapOvr>
     <a:masterClrMapping/>
   </p:clrMapOvr>
+  <p:timing>
+    <p:tnLst>
+      <p:par>
+        <p:cTn id="1" dur="indefinite" restart="never" nodeType="tmRoot"/>
+      </p:par>
+    </p:tnLst>
+  </p:timing>
+</p:sld>
+</file>
+
+<file path=ppt/slides/slide5.xml><?xml version="1.0" encoding="utf-8"?>
+<p:sld xmlns:a="http://schemas.openxmlformats.org/drawingml/2006/main" xmlns:r="http://schemas.openxmlformats.org/officeDocument/2006/relationships" xmlns:p="http://schemas.openxmlformats.org/presentationml/2006/main">
+  <p:cSld>
+    <p:spTree>
+      <p:nvGrpSpPr>
+        <p:cNvPr id="1" name=""/>
+        <p:cNvGrpSpPr/>
+        <p:nvPr/>
+      </p:nvGrpSpPr>
+      <p:grpSpPr>
+        <a:xfrm>
+          <a:off x="0" y="0"/>
+          <a:ext cx="0" cy="0"/>
+          <a:chOff x="0" y="0"/>
+          <a:chExt cx="0" cy="0"/>
+        </a:xfrm>
+      </p:grpSpPr>
+      <p:sp>
+        <p:nvSpPr>
+          <p:cNvPr id="2" name="Titolo 1"/>
+          <p:cNvSpPr>
+            <a:spLocks noGrp="1"/>
+          </p:cNvSpPr>
+          <p:nvPr>
+            <p:ph type="title"/>
+          </p:nvPr>
+        </p:nvSpPr>
+        <p:spPr/>
+        <p:txBody>
+          <a:bodyPr/>
+          <a:lstStyle/>
+          <a:p>
+            <a:r>
+              <a:rPr lang="it-IT" dirty="0" smtClean="0"/>
+              <a:t>Definizione del tipo XHTML utilizzato</a:t>
+            </a:r>
+            <a:endParaRPr lang="en-US" dirty="0"/>
+          </a:p>
+        </p:txBody>
+      </p:sp>
+      <p:sp>
+        <p:nvSpPr>
+          <p:cNvPr id="3" name="Segnaposto contenuto 2"/>
+          <p:cNvSpPr>
+            <a:spLocks noGrp="1"/>
+          </p:cNvSpPr>
+          <p:nvPr>
+            <p:ph idx="1"/>
+          </p:nvPr>
+        </p:nvSpPr>
+        <p:spPr/>
+        <p:txBody>
+          <a:bodyPr/>
+          <a:lstStyle/>
+          <a:p>
+            <a:r>
+              <a:rPr lang="it-IT" dirty="0" smtClean="0"/>
+              <a:t>Per </a:t>
+            </a:r>
+            <a:r>
+              <a:rPr lang="it-IT" dirty="0" err="1" smtClean="0"/>
+              <a:t>lorenzo</a:t>
+            </a:r>
+            <a:r>
+              <a:rPr lang="it-IT" dirty="0" smtClean="0"/>
+              <a:t> :D</a:t>
+            </a:r>
+            <a:endParaRPr lang="en-US" dirty="0"/>
+          </a:p>
+        </p:txBody>
+      </p:sp>
+    </p:spTree>
+    <p:extLst>
+      <p:ext uri="{BB962C8B-B14F-4D97-AF65-F5344CB8AC3E}">
+        <p14:creationId xmlns:p14="http://schemas.microsoft.com/office/powerpoint/2010/main" val="4070795239"/>
+      </p:ext>
+    </p:extLst>
+  </p:cSld>
+  <p:clrMapOvr>
+    <a:masterClrMapping/>
+  </p:clrMapOvr>
+  <p:timing>
+    <p:tnLst>
+      <p:par>
+        <p:cTn id="1" dur="indefinite" restart="never" nodeType="tmRoot"/>
+      </p:par>
+    </p:tnLst>
+  </p:timing>
+</p:sld>
+</file>
+
+<file path=ppt/slides/slide6.xml><?xml version="1.0" encoding="utf-8"?>
+<p:sld xmlns:a="http://schemas.openxmlformats.org/drawingml/2006/main" xmlns:r="http://schemas.openxmlformats.org/officeDocument/2006/relationships" xmlns:p="http://schemas.openxmlformats.org/presentationml/2006/main">
+  <p:cSld>
+    <p:spTree>
+      <p:nvGrpSpPr>
+        <p:cNvPr id="1" name=""/>
+        <p:cNvGrpSpPr/>
+        <p:nvPr/>
+      </p:nvGrpSpPr>
+      <p:grpSpPr>
+        <a:xfrm>
+          <a:off x="0" y="0"/>
+          <a:ext cx="0" cy="0"/>
+          <a:chOff x="0" y="0"/>
+          <a:chExt cx="0" cy="0"/>
+        </a:xfrm>
+      </p:grpSpPr>
+      <p:sp>
+        <p:nvSpPr>
+          <p:cNvPr id="2" name="Titolo 1"/>
+          <p:cNvSpPr>
+            <a:spLocks noGrp="1"/>
+          </p:cNvSpPr>
+          <p:nvPr>
+            <p:ph type="title"/>
+          </p:nvPr>
+        </p:nvSpPr>
+        <p:spPr/>
+        <p:txBody>
+          <a:bodyPr/>
+          <a:lstStyle/>
+          <a:p>
+            <a:r>
+              <a:rPr lang="it-IT" dirty="0" smtClean="0"/>
+              <a:t>Descrizione delle soluzioni tecniche adottate</a:t>
+            </a:r>
+            <a:endParaRPr lang="en-US" dirty="0"/>
+          </a:p>
+        </p:txBody>
+      </p:sp>
+      <p:sp>
+        <p:nvSpPr>
+          <p:cNvPr id="3" name="Segnaposto contenuto 2"/>
+          <p:cNvSpPr>
+            <a:spLocks noGrp="1"/>
+          </p:cNvSpPr>
+          <p:nvPr>
+            <p:ph idx="1"/>
+          </p:nvPr>
+        </p:nvSpPr>
+        <p:spPr/>
+        <p:txBody>
+          <a:bodyPr/>
+          <a:lstStyle/>
+          <a:p>
+            <a:r>
+              <a:rPr lang="it-IT" dirty="0" smtClean="0"/>
+              <a:t>Per quanto riguarda la programmazione Front-end  linguaggi da noi utilizzati sono Html5, Css3, </a:t>
+            </a:r>
+            <a:r>
+              <a:rPr lang="it-IT" dirty="0" err="1" smtClean="0"/>
+              <a:t>Jquery</a:t>
+            </a:r>
+            <a:r>
+              <a:rPr lang="it-IT" dirty="0"/>
+              <a:t> </a:t>
+            </a:r>
+            <a:r>
+              <a:rPr lang="it-IT" dirty="0" smtClean="0"/>
+              <a:t>e </a:t>
+            </a:r>
+            <a:r>
+              <a:rPr lang="it-IT" dirty="0" err="1" smtClean="0"/>
+              <a:t>Javascript</a:t>
+            </a:r>
+            <a:r>
+              <a:rPr lang="it-IT" dirty="0" smtClean="0"/>
+              <a:t>.</a:t>
+            </a:r>
+          </a:p>
+          <a:p>
+            <a:r>
+              <a:rPr lang="it-IT" dirty="0" smtClean="0"/>
+              <a:t>Mentre per lo sviluppo e programmazione del lato server sono stati utilizzati Java  e Freemarker oltre al supporto di Apache </a:t>
+            </a:r>
+            <a:r>
+              <a:rPr lang="it-IT" dirty="0" err="1" smtClean="0"/>
+              <a:t>Tomcat</a:t>
+            </a:r>
+            <a:r>
+              <a:rPr lang="it-IT" dirty="0" smtClean="0"/>
+              <a:t> e </a:t>
+            </a:r>
+            <a:r>
+              <a:rPr lang="it-IT" dirty="0" err="1" smtClean="0"/>
+              <a:t>MySQL</a:t>
+            </a:r>
+            <a:r>
+              <a:rPr lang="it-IT" dirty="0" smtClean="0"/>
+              <a:t>.</a:t>
+            </a:r>
+          </a:p>
+        </p:txBody>
+      </p:sp>
+    </p:spTree>
+    <p:extLst>
+      <p:ext uri="{BB962C8B-B14F-4D97-AF65-F5344CB8AC3E}">
+        <p14:creationId xmlns:p14="http://schemas.microsoft.com/office/powerpoint/2010/main" val="171547610"/>
+      </p:ext>
+    </p:extLst>
+  </p:cSld>
+  <p:clrMapOvr>
+    <a:masterClrMapping/>
+  </p:clrMapOvr>
+  <p:timing>
+    <p:tnLst>
+      <p:par>
+        <p:cTn id="1" dur="indefinite" restart="never" nodeType="tmRoot"/>
+      </p:par>
+    </p:tnLst>
+  </p:timing>
+</p:sld>
+</file>
+
+<file path=ppt/slides/slide7.xml><?xml version="1.0" encoding="utf-8"?>
+<p:sld xmlns:a="http://schemas.openxmlformats.org/drawingml/2006/main" xmlns:r="http://schemas.openxmlformats.org/officeDocument/2006/relationships" xmlns:p="http://schemas.openxmlformats.org/presentationml/2006/main">
+  <p:cSld>
+    <p:spTree>
+      <p:nvGrpSpPr>
+        <p:cNvPr id="1" name=""/>
+        <p:cNvGrpSpPr/>
+        <p:nvPr/>
+      </p:nvGrpSpPr>
+      <p:grpSpPr>
+        <a:xfrm>
+          <a:off x="0" y="0"/>
+          <a:ext cx="0" cy="0"/>
+          <a:chOff x="0" y="0"/>
+          <a:chExt cx="0" cy="0"/>
+        </a:xfrm>
+      </p:grpSpPr>
+      <p:sp>
+        <p:nvSpPr>
+          <p:cNvPr id="7" name="Titolo 6"/>
+          <p:cNvSpPr>
+            <a:spLocks noGrp="1"/>
+          </p:cNvSpPr>
+          <p:nvPr>
+            <p:ph type="title"/>
+          </p:nvPr>
+        </p:nvSpPr>
+        <p:spPr/>
+        <p:txBody>
+          <a:bodyPr/>
+          <a:lstStyle/>
+          <a:p>
+            <a:r>
+              <a:rPr lang="it-IT" dirty="0"/>
+              <a:t>Di seguito mostreremo alcuni </a:t>
+            </a:r>
+            <a:r>
+              <a:rPr lang="it-IT" dirty="0" err="1"/>
+              <a:t>Screenshot</a:t>
+            </a:r>
+            <a:r>
+              <a:rPr lang="it-IT" dirty="0"/>
+              <a:t> del sito</a:t>
+            </a:r>
+            <a:endParaRPr lang="en-US" dirty="0"/>
+          </a:p>
+        </p:txBody>
+      </p:sp>
+      <p:pic>
+        <p:nvPicPr>
+          <p:cNvPr id="10" name="Segnaposto contenuto 9"/>
+          <p:cNvPicPr>
+            <a:picLocks noGrp="1" noChangeAspect="1"/>
+          </p:cNvPicPr>
+          <p:nvPr>
+            <p:ph idx="1"/>
+          </p:nvPr>
+        </p:nvPicPr>
+        <p:blipFill>
+          <a:blip r:embed="rId2">
+            <a:extLst>
+              <a:ext uri="{28A0092B-C50C-407E-A947-70E740481C1C}">
+                <a14:useLocalDpi xmlns:a14="http://schemas.microsoft.com/office/drawing/2010/main" val="0"/>
+              </a:ext>
+            </a:extLst>
+          </a:blip>
+          <a:stretch>
+            <a:fillRect/>
+          </a:stretch>
+        </p:blipFill>
+        <p:spPr>
+          <a:xfrm>
+            <a:off x="3539638" y="951973"/>
+            <a:ext cx="8166575" cy="4792334"/>
+          </a:xfrm>
+          <a:prstGeom prst="roundRect">
+            <a:avLst>
+              <a:gd name="adj" fmla="val 4167"/>
+            </a:avLst>
+          </a:prstGeom>
+          <a:solidFill>
+            <a:srgbClr val="FFFFFF"/>
+          </a:solidFill>
+          <a:ln w="76200" cap="sq">
+            <a:solidFill>
+              <a:srgbClr val="292929"/>
+            </a:solidFill>
+            <a:miter lim="800000"/>
+          </a:ln>
+          <a:effectLst>
+            <a:reflection blurRad="12700" stA="28000" endPos="28000" dist="5000" dir="5400000" sy="-100000" algn="bl" rotWithShape="0"/>
+          </a:effectLst>
+          <a:scene3d>
+            <a:camera prst="orthographicFront"/>
+            <a:lightRig rig="threePt" dir="t">
+              <a:rot lat="0" lon="0" rev="2700000"/>
+            </a:lightRig>
+          </a:scene3d>
+          <a:sp3d>
+            <a:bevelT h="38100"/>
+            <a:contourClr>
+              <a:srgbClr val="C0C0C0"/>
+            </a:contourClr>
+          </a:sp3d>
+        </p:spPr>
+      </p:pic>
+      <p:sp>
+        <p:nvSpPr>
+          <p:cNvPr id="9" name="Segnaposto testo 8"/>
+          <p:cNvSpPr>
+            <a:spLocks noGrp="1"/>
+          </p:cNvSpPr>
+          <p:nvPr>
+            <p:ph type="body" sz="half" idx="2"/>
+          </p:nvPr>
+        </p:nvSpPr>
+        <p:spPr/>
+        <p:txBody>
+          <a:bodyPr/>
+          <a:lstStyle/>
+          <a:p>
+            <a:r>
+              <a:rPr lang="it-IT" dirty="0" smtClean="0"/>
+              <a:t>Pagina di </a:t>
+            </a:r>
+            <a:r>
+              <a:rPr lang="it-IT" dirty="0" err="1" smtClean="0"/>
+              <a:t>HomePage</a:t>
+            </a:r>
+            <a:r>
+              <a:rPr lang="it-IT" dirty="0" smtClean="0"/>
+              <a:t> con:</a:t>
+            </a:r>
+            <a:br>
+              <a:rPr lang="it-IT" dirty="0" smtClean="0"/>
+            </a:br>
+            <a:r>
+              <a:rPr lang="it-IT" dirty="0" smtClean="0"/>
+              <a:t>-barra di ricerca per persone non registrate (in alto a sinistra).</a:t>
+            </a:r>
+            <a:br>
+              <a:rPr lang="it-IT" dirty="0" smtClean="0"/>
+            </a:br>
+            <a:r>
+              <a:rPr lang="it-IT" dirty="0" smtClean="0"/>
+              <a:t>-Form di login per utenti già registrati e per utenti invitati</a:t>
+            </a:r>
+            <a:br>
+              <a:rPr lang="it-IT" dirty="0" smtClean="0"/>
+            </a:br>
+            <a:r>
+              <a:rPr lang="it-IT" dirty="0" smtClean="0"/>
+              <a:t>-Collegamento alla </a:t>
+            </a:r>
+            <a:r>
+              <a:rPr lang="it-IT" dirty="0" err="1" smtClean="0"/>
+              <a:t>form</a:t>
+            </a:r>
+            <a:r>
+              <a:rPr lang="it-IT" dirty="0" smtClean="0"/>
+              <a:t> di registrazione ( in altro a destra)</a:t>
+            </a:r>
+            <a:endParaRPr lang="en-US" dirty="0"/>
+          </a:p>
+        </p:txBody>
+      </p:sp>
+    </p:spTree>
+    <p:extLst>
+      <p:ext uri="{BB962C8B-B14F-4D97-AF65-F5344CB8AC3E}">
+        <p14:creationId xmlns:p14="http://schemas.microsoft.com/office/powerpoint/2010/main" val="2788176923"/>
+      </p:ext>
+    </p:extLst>
+  </p:cSld>
+  <p:clrMapOvr>
+    <a:masterClrMapping/>
+  </p:clrMapOvr>
+  <p:timing>
+    <p:tnLst>
+      <p:par>
+        <p:cTn id="1" dur="indefinite" restart="never" nodeType="tmRoot"/>
+      </p:par>
+    </p:tnLst>
+  </p:timing>
+</p:sld>
+</file>
+
+<file path=ppt/slides/slide8.xml><?xml version="1.0" encoding="utf-8"?>
+<p:sld xmlns:a="http://schemas.openxmlformats.org/drawingml/2006/main" xmlns:r="http://schemas.openxmlformats.org/officeDocument/2006/relationships" xmlns:p="http://schemas.openxmlformats.org/presentationml/2006/main">
+  <p:cSld>
+    <p:spTree>
+      <p:nvGrpSpPr>
+        <p:cNvPr id="1" name=""/>
+        <p:cNvGrpSpPr/>
+        <p:nvPr/>
+      </p:nvGrpSpPr>
+      <p:grpSpPr>
+        <a:xfrm>
+          <a:off x="0" y="0"/>
+          <a:ext cx="0" cy="0"/>
+          <a:chOff x="0" y="0"/>
+          <a:chExt cx="0" cy="0"/>
+        </a:xfrm>
+      </p:grpSpPr>
+      <p:sp>
+        <p:nvSpPr>
+          <p:cNvPr id="2" name="Titolo 1"/>
+          <p:cNvSpPr>
+            <a:spLocks noGrp="1"/>
+          </p:cNvSpPr>
+          <p:nvPr>
+            <p:ph type="title"/>
+          </p:nvPr>
+        </p:nvSpPr>
+        <p:spPr/>
+        <p:txBody>
+          <a:bodyPr/>
+          <a:lstStyle/>
+          <a:p>
+            <a:r>
+              <a:rPr lang="it-IT" dirty="0"/>
+              <a:t>Di seguito mostreremo alcuni </a:t>
+            </a:r>
+            <a:r>
+              <a:rPr lang="it-IT" dirty="0" err="1"/>
+              <a:t>Screenshot</a:t>
+            </a:r>
+            <a:r>
+              <a:rPr lang="it-IT" dirty="0"/>
+              <a:t> del sito</a:t>
+            </a:r>
+            <a:endParaRPr lang="en-US" dirty="0"/>
+          </a:p>
+        </p:txBody>
+      </p:sp>
+      <p:pic>
+        <p:nvPicPr>
+          <p:cNvPr id="5" name="Segnaposto contenuto 4"/>
+          <p:cNvPicPr>
+            <a:picLocks noGrp="1" noChangeAspect="1"/>
+          </p:cNvPicPr>
+          <p:nvPr>
+            <p:ph idx="1"/>
+          </p:nvPr>
+        </p:nvPicPr>
+        <p:blipFill>
+          <a:blip r:embed="rId2">
+            <a:extLst>
+              <a:ext uri="{28A0092B-C50C-407E-A947-70E740481C1C}">
+                <a14:useLocalDpi xmlns:a14="http://schemas.microsoft.com/office/drawing/2010/main" val="0"/>
+              </a:ext>
+            </a:extLst>
+          </a:blip>
+          <a:stretch>
+            <a:fillRect/>
+          </a:stretch>
+        </p:blipFill>
+        <p:spPr>
+          <a:xfrm>
+            <a:off x="3867150" y="1449923"/>
+            <a:ext cx="7315200" cy="3958154"/>
+          </a:xfrm>
+          <a:prstGeom prst="roundRect">
+            <a:avLst>
+              <a:gd name="adj" fmla="val 4167"/>
+            </a:avLst>
+          </a:prstGeom>
+          <a:solidFill>
+            <a:srgbClr val="FFFFFF"/>
+          </a:solidFill>
+          <a:ln w="76200" cap="sq">
+            <a:solidFill>
+              <a:srgbClr val="292929"/>
+            </a:solidFill>
+            <a:miter lim="800000"/>
+          </a:ln>
+          <a:effectLst>
+            <a:reflection blurRad="12700" stA="28000" endPos="28000" dist="5000" dir="5400000" sy="-100000" algn="bl" rotWithShape="0"/>
+          </a:effectLst>
+          <a:scene3d>
+            <a:camera prst="orthographicFront"/>
+            <a:lightRig rig="threePt" dir="t">
+              <a:rot lat="0" lon="0" rev="2700000"/>
+            </a:lightRig>
+          </a:scene3d>
+          <a:sp3d>
+            <a:bevelT h="38100"/>
+            <a:contourClr>
+              <a:srgbClr val="C0C0C0"/>
+            </a:contourClr>
+          </a:sp3d>
+        </p:spPr>
+      </p:pic>
+      <p:sp>
+        <p:nvSpPr>
+          <p:cNvPr id="4" name="Segnaposto testo 3"/>
+          <p:cNvSpPr>
+            <a:spLocks noGrp="1"/>
+          </p:cNvSpPr>
+          <p:nvPr>
+            <p:ph type="body" sz="half" idx="2"/>
+          </p:nvPr>
+        </p:nvSpPr>
+        <p:spPr/>
+        <p:txBody>
+          <a:bodyPr/>
+          <a:lstStyle/>
+          <a:p>
+            <a:r>
+              <a:rPr lang="it-IT" dirty="0" smtClean="0"/>
+              <a:t>Utente invitato che deve verificare la password</a:t>
+            </a:r>
+            <a:endParaRPr lang="en-US" dirty="0"/>
+          </a:p>
+        </p:txBody>
+      </p:sp>
+    </p:spTree>
+    <p:extLst>
+      <p:ext uri="{BB962C8B-B14F-4D97-AF65-F5344CB8AC3E}">
+        <p14:creationId xmlns:p14="http://schemas.microsoft.com/office/powerpoint/2010/main" val="2812243535"/>
+      </p:ext>
+    </p:extLst>
+  </p:cSld>
+  <p:clrMapOvr>
+    <a:masterClrMapping/>
+  </p:clrMapOvr>
+  <p:timing>
+    <p:tnLst>
+      <p:par>
+        <p:cTn id="1" dur="indefinite" restart="never" nodeType="tmRoot"/>
+      </p:par>
+    </p:tnLst>
+  </p:timing>
+</p:sld>
+</file>
+
+<file path=ppt/slides/slide9.xml><?xml version="1.0" encoding="utf-8"?>
+<p:sld xmlns:a="http://schemas.openxmlformats.org/drawingml/2006/main" xmlns:r="http://schemas.openxmlformats.org/officeDocument/2006/relationships" xmlns:p="http://schemas.openxmlformats.org/presentationml/2006/main">
+  <p:cSld>
+    <p:spTree>
+      <p:nvGrpSpPr>
+        <p:cNvPr id="1" name=""/>
+        <p:cNvGrpSpPr/>
+        <p:nvPr/>
+      </p:nvGrpSpPr>
+      <p:grpSpPr>
+        <a:xfrm>
+          <a:off x="0" y="0"/>
+          <a:ext cx="0" cy="0"/>
+          <a:chOff x="0" y="0"/>
+          <a:chExt cx="0" cy="0"/>
+        </a:xfrm>
+      </p:grpSpPr>
+      <p:sp>
+        <p:nvSpPr>
+          <p:cNvPr id="2" name="Titolo 1"/>
+          <p:cNvSpPr>
+            <a:spLocks noGrp="1"/>
+          </p:cNvSpPr>
+          <p:nvPr>
+            <p:ph type="title"/>
+          </p:nvPr>
+        </p:nvSpPr>
+        <p:spPr/>
+        <p:txBody>
+          <a:bodyPr/>
+          <a:lstStyle/>
+          <a:p>
+            <a:r>
+              <a:rPr lang="it-IT" dirty="0"/>
+              <a:t>Di seguito mostreremo alcuni </a:t>
+            </a:r>
+            <a:r>
+              <a:rPr lang="it-IT" dirty="0" err="1"/>
+              <a:t>Screenshot</a:t>
+            </a:r>
+            <a:r>
+              <a:rPr lang="it-IT" dirty="0"/>
+              <a:t> del sito</a:t>
+            </a:r>
+            <a:endParaRPr lang="en-US" dirty="0"/>
+          </a:p>
+        </p:txBody>
+      </p:sp>
+      <p:pic>
+        <p:nvPicPr>
+          <p:cNvPr id="5" name="Segnaposto contenuto 4"/>
+          <p:cNvPicPr>
+            <a:picLocks noGrp="1" noChangeAspect="1"/>
+          </p:cNvPicPr>
+          <p:nvPr>
+            <p:ph idx="1"/>
+          </p:nvPr>
+        </p:nvPicPr>
+        <p:blipFill>
+          <a:blip r:embed="rId2">
+            <a:extLst>
+              <a:ext uri="{28A0092B-C50C-407E-A947-70E740481C1C}">
+                <a14:useLocalDpi xmlns:a14="http://schemas.microsoft.com/office/drawing/2010/main" val="0"/>
+              </a:ext>
+            </a:extLst>
+          </a:blip>
+          <a:stretch>
+            <a:fillRect/>
+          </a:stretch>
+        </p:blipFill>
+        <p:spPr>
+          <a:xfrm>
+            <a:off x="3867150" y="1386110"/>
+            <a:ext cx="7315200" cy="4085781"/>
+          </a:xfrm>
+          <a:prstGeom prst="roundRect">
+            <a:avLst>
+              <a:gd name="adj" fmla="val 4167"/>
+            </a:avLst>
+          </a:prstGeom>
+          <a:solidFill>
+            <a:srgbClr val="FFFFFF"/>
+          </a:solidFill>
+          <a:ln w="76200" cap="sq">
+            <a:solidFill>
+              <a:srgbClr val="292929"/>
+            </a:solidFill>
+            <a:miter lim="800000"/>
+          </a:ln>
+          <a:effectLst>
+            <a:reflection blurRad="12700" stA="28000" endPos="28000" dist="5000" dir="5400000" sy="-100000" algn="bl" rotWithShape="0"/>
+          </a:effectLst>
+          <a:scene3d>
+            <a:camera prst="orthographicFront"/>
+            <a:lightRig rig="threePt" dir="t">
+              <a:rot lat="0" lon="0" rev="2700000"/>
+            </a:lightRig>
+          </a:scene3d>
+          <a:sp3d>
+            <a:bevelT h="38100"/>
+            <a:contourClr>
+              <a:srgbClr val="C0C0C0"/>
+            </a:contourClr>
+          </a:sp3d>
+        </p:spPr>
+      </p:pic>
+      <p:sp>
+        <p:nvSpPr>
+          <p:cNvPr id="4" name="Segnaposto testo 3"/>
+          <p:cNvSpPr>
+            <a:spLocks noGrp="1"/>
+          </p:cNvSpPr>
+          <p:nvPr>
+            <p:ph type="body" sz="half" idx="2"/>
+          </p:nvPr>
+        </p:nvSpPr>
+        <p:spPr/>
+        <p:txBody>
+          <a:bodyPr/>
+          <a:lstStyle/>
+          <a:p>
+            <a:r>
+              <a:rPr lang="it-IT" dirty="0" smtClean="0"/>
+              <a:t>Pagina principale dove possiamo vedere nel riquadro di sinistra il profilo dell’utente loggato , nel dettaglio notiamo anche il bottone per il cambio foto e la notifica di richiesta di amicizia ( foto a seguire )</a:t>
+            </a:r>
+            <a:endParaRPr lang="en-US" dirty="0"/>
+          </a:p>
+        </p:txBody>
+      </p:sp>
+    </p:spTree>
+    <p:extLst>
+      <p:ext uri="{BB962C8B-B14F-4D97-AF65-F5344CB8AC3E}">
+        <p14:creationId xmlns:p14="http://schemas.microsoft.com/office/powerpoint/2010/main" val="2667511133"/>
+      </p:ext>
+    </p:extLst>
+  </p:cSld>
+  <p:clrMapOvr>
+    <a:masterClrMapping/>
+  </p:clrMapOvr>
+  <p:timing>
+    <p:tnLst>
+      <p:par>
+        <p:cTn id="1" dur="indefinite" restart="never" nodeType="tmRoot"/>
+      </p:par>
+    </p:tnLst>
+  </p:timing>
 </p:sld>
 </file>
 
 <file path=ppt/theme/theme1.xml><?xml version="1.0" encoding="utf-8"?>
 <a:theme xmlns:a="http://schemas.openxmlformats.org/drawingml/2006/main" name="Cornice">
   <a:themeElements>
-    <a:clrScheme name="Frame">
+    <a:clrScheme name="Cornice">
       <a:dk1>
         <a:srgbClr val="000000"/>
       </a:dk1>
@@ -3741,9 +4548,9 @@
         <a:srgbClr val="EE7008"/>
       </a:folHlink>
     </a:clrScheme>
-    <a:fontScheme name="Frame">
+    <a:fontScheme name="Cornice">
       <a:majorFont>
-        <a:latin typeface="Corbel"/>
+        <a:latin typeface="Corbel" panose="020B0503020204020204"/>
         <a:ea typeface=""/>
         <a:cs typeface=""/>
         <a:font script="Jpan" typeface="ＭＳ ゴシック"/>
@@ -3778,7 +4585,7 @@
         <a:font script="Geor" typeface="Sylfaen"/>
       </a:majorFont>
       <a:minorFont>
-        <a:latin typeface="Corbel"/>
+        <a:latin typeface="Corbel" panose="020B0503020204020204"/>
         <a:ea typeface=""/>
         <a:cs typeface=""/>
         <a:font script="Jpan" typeface="ＭＳ ゴシック"/>
@@ -3813,7 +4620,7 @@
         <a:font script="Geor" typeface="Sylfaen"/>
       </a:minorFont>
     </a:fontScheme>
-    <a:fmtScheme name="Frame">
+    <a:fmtScheme name="Cornice">
       <a:fillStyleLst>
         <a:solidFill>
           <a:schemeClr val="phClr"/>
@@ -3925,7 +4732,7 @@
   <a:extraClrSchemeLst/>
   <a:extLst>
     <a:ext uri="{05A4C25C-085E-4340-85A3-A5531E510DB2}">
-      <thm15:themeFamily xmlns:thm15="http://schemas.microsoft.com/office/thememl/2012/main" xmlns="" name="Frame" id="{F226E7A2-7162-461C-9490-D27D9DC04E43}" vid="{629A0216-3BBD-45C0-B63F-2683BEA18F60}"/>
+      <thm15:themeFamily xmlns:thm15="http://schemas.microsoft.com/office/thememl/2012/main" name="Frame" id="{F226E7A2-7162-461C-9490-D27D9DC04E43}" vid="{629A0216-3BBD-45C0-B63F-2683BEA18F60}"/>
     </a:ext>
   </a:extLst>
 </a:theme>
